--- a/santiago_madariaga_backstepping.pptx
+++ b/santiago_madariaga_backstepping.pptx
@@ -1120,7 +1120,7 @@
             </a:lvl9pPr>
           </a:lstStyle>
           <a:p>
-            <a:endParaRPr/>
+            <a:endParaRPr dirty="0"/>
           </a:p>
         </p:txBody>
       </p:sp>
@@ -1287,7 +1287,7 @@
             </a:lvl9pPr>
           </a:lstStyle>
           <a:p>
-            <a:endParaRPr/>
+            <a:endParaRPr dirty="0"/>
           </a:p>
         </p:txBody>
       </p:sp>
@@ -1339,7 +1339,7 @@
               </a:rPr>
               <a:t>‹Nº›</a:t>
             </a:fld>
-            <a:endParaRPr lang="es-MX" sz="3741" b="0" i="0" u="none" strike="noStrike" cap="none">
+            <a:endParaRPr lang="es-MX" sz="3741" b="0" i="0" u="none" strike="noStrike" cap="none" dirty="0">
               <a:solidFill>
                 <a:srgbClr val="888888"/>
               </a:solidFill>
@@ -1888,7 +1888,7 @@
             </a:lvl9pPr>
           </a:lstStyle>
           <a:p>
-            <a:endParaRPr/>
+            <a:endParaRPr dirty="0"/>
           </a:p>
         </p:txBody>
       </p:sp>
@@ -2055,7 +2055,7 @@
             </a:lvl9pPr>
           </a:lstStyle>
           <a:p>
-            <a:endParaRPr/>
+            <a:endParaRPr dirty="0"/>
           </a:p>
         </p:txBody>
       </p:sp>
@@ -2107,7 +2107,7 @@
               </a:rPr>
               <a:t>‹Nº›</a:t>
             </a:fld>
-            <a:endParaRPr lang="es-MX" sz="3741">
+            <a:endParaRPr lang="es-MX" sz="3741" dirty="0">
               <a:solidFill>
                 <a:srgbClr val="888888"/>
               </a:solidFill>
@@ -2656,7 +2656,7 @@
             </a:lvl9pPr>
           </a:lstStyle>
           <a:p>
-            <a:endParaRPr/>
+            <a:endParaRPr dirty="0"/>
           </a:p>
         </p:txBody>
       </p:sp>
@@ -2823,7 +2823,7 @@
             </a:lvl9pPr>
           </a:lstStyle>
           <a:p>
-            <a:endParaRPr/>
+            <a:endParaRPr dirty="0"/>
           </a:p>
         </p:txBody>
       </p:sp>
@@ -2875,7 +2875,7 @@
               </a:rPr>
               <a:t>‹Nº›</a:t>
             </a:fld>
-            <a:endParaRPr lang="es-MX" sz="3741">
+            <a:endParaRPr lang="es-MX" sz="3741" dirty="0">
               <a:solidFill>
                 <a:srgbClr val="888888"/>
               </a:solidFill>
@@ -3424,7 +3424,7 @@
             </a:lvl9pPr>
           </a:lstStyle>
           <a:p>
-            <a:endParaRPr/>
+            <a:endParaRPr dirty="0"/>
           </a:p>
         </p:txBody>
       </p:sp>
@@ -3591,7 +3591,7 @@
             </a:lvl9pPr>
           </a:lstStyle>
           <a:p>
-            <a:endParaRPr/>
+            <a:endParaRPr dirty="0"/>
           </a:p>
         </p:txBody>
       </p:sp>
@@ -3643,7 +3643,7 @@
               </a:rPr>
               <a:t>‹Nº›</a:t>
             </a:fld>
-            <a:endParaRPr lang="es-MX" sz="3741">
+            <a:endParaRPr lang="es-MX" sz="3741" dirty="0">
               <a:solidFill>
                 <a:srgbClr val="888888"/>
               </a:solidFill>
@@ -4183,7 +4183,7 @@
             </a:lvl9pPr>
           </a:lstStyle>
           <a:p>
-            <a:endParaRPr/>
+            <a:endParaRPr dirty="0"/>
           </a:p>
         </p:txBody>
       </p:sp>
@@ -4350,7 +4350,7 @@
             </a:lvl9pPr>
           </a:lstStyle>
           <a:p>
-            <a:endParaRPr/>
+            <a:endParaRPr dirty="0"/>
           </a:p>
         </p:txBody>
       </p:sp>
@@ -4402,7 +4402,7 @@
               </a:rPr>
               <a:t>‹Nº›</a:t>
             </a:fld>
-            <a:endParaRPr lang="es-MX" sz="3741">
+            <a:endParaRPr lang="es-MX" sz="3741" dirty="0">
               <a:solidFill>
                 <a:srgbClr val="888888"/>
               </a:solidFill>
@@ -5190,7 +5190,7 @@
             </a:lvl9pPr>
           </a:lstStyle>
           <a:p>
-            <a:endParaRPr/>
+            <a:endParaRPr dirty="0"/>
           </a:p>
         </p:txBody>
       </p:sp>
@@ -5357,7 +5357,7 @@
             </a:lvl9pPr>
           </a:lstStyle>
           <a:p>
-            <a:endParaRPr/>
+            <a:endParaRPr dirty="0"/>
           </a:p>
         </p:txBody>
       </p:sp>
@@ -5409,7 +5409,7 @@
               </a:rPr>
               <a:t>‹Nº›</a:t>
             </a:fld>
-            <a:endParaRPr lang="es-MX" sz="3741">
+            <a:endParaRPr lang="es-MX" sz="3741" dirty="0">
               <a:solidFill>
                 <a:srgbClr val="888888"/>
               </a:solidFill>
@@ -6657,7 +6657,7 @@
             </a:lvl9pPr>
           </a:lstStyle>
           <a:p>
-            <a:endParaRPr/>
+            <a:endParaRPr dirty="0"/>
           </a:p>
         </p:txBody>
       </p:sp>
@@ -6824,7 +6824,7 @@
             </a:lvl9pPr>
           </a:lstStyle>
           <a:p>
-            <a:endParaRPr/>
+            <a:endParaRPr dirty="0"/>
           </a:p>
         </p:txBody>
       </p:sp>
@@ -6876,7 +6876,7 @@
               </a:rPr>
               <a:t>‹Nº›</a:t>
             </a:fld>
-            <a:endParaRPr lang="es-MX" sz="3741">
+            <a:endParaRPr lang="es-MX" sz="3741" dirty="0">
               <a:solidFill>
                 <a:srgbClr val="888888"/>
               </a:solidFill>
@@ -7186,7 +7186,7 @@
             </a:lvl9pPr>
           </a:lstStyle>
           <a:p>
-            <a:endParaRPr/>
+            <a:endParaRPr dirty="0"/>
           </a:p>
         </p:txBody>
       </p:sp>
@@ -7353,7 +7353,7 @@
             </a:lvl9pPr>
           </a:lstStyle>
           <a:p>
-            <a:endParaRPr/>
+            <a:endParaRPr dirty="0"/>
           </a:p>
         </p:txBody>
       </p:sp>
@@ -7405,7 +7405,7 @@
               </a:rPr>
               <a:t>‹Nº›</a:t>
             </a:fld>
-            <a:endParaRPr lang="es-MX" sz="3741">
+            <a:endParaRPr lang="es-MX" sz="3741" dirty="0">
               <a:solidFill>
                 <a:srgbClr val="888888"/>
               </a:solidFill>
@@ -7605,7 +7605,7 @@
             </a:lvl9pPr>
           </a:lstStyle>
           <a:p>
-            <a:endParaRPr/>
+            <a:endParaRPr dirty="0"/>
           </a:p>
         </p:txBody>
       </p:sp>
@@ -7772,7 +7772,7 @@
             </a:lvl9pPr>
           </a:lstStyle>
           <a:p>
-            <a:endParaRPr/>
+            <a:endParaRPr dirty="0"/>
           </a:p>
         </p:txBody>
       </p:sp>
@@ -7824,7 +7824,7 @@
               </a:rPr>
               <a:t>‹Nº›</a:t>
             </a:fld>
-            <a:endParaRPr lang="es-MX" sz="3741">
+            <a:endParaRPr lang="es-MX" sz="3741" dirty="0">
               <a:solidFill>
                 <a:srgbClr val="888888"/>
               </a:solidFill>
@@ -8603,7 +8603,7 @@
             </a:lvl9pPr>
           </a:lstStyle>
           <a:p>
-            <a:endParaRPr/>
+            <a:endParaRPr dirty="0"/>
           </a:p>
         </p:txBody>
       </p:sp>
@@ -8770,7 +8770,7 @@
             </a:lvl9pPr>
           </a:lstStyle>
           <a:p>
-            <a:endParaRPr/>
+            <a:endParaRPr dirty="0"/>
           </a:p>
         </p:txBody>
       </p:sp>
@@ -8822,7 +8822,7 @@
               </a:rPr>
               <a:t>‹Nº›</a:t>
             </a:fld>
-            <a:endParaRPr lang="es-MX" sz="3741">
+            <a:endParaRPr lang="es-MX" sz="3741" dirty="0">
               <a:solidFill>
                 <a:srgbClr val="888888"/>
               </a:solidFill>
@@ -9195,7 +9195,7 @@
             </a:lvl9pPr>
           </a:lstStyle>
           <a:p>
-            <a:endParaRPr/>
+            <a:endParaRPr dirty="0"/>
           </a:p>
         </p:txBody>
       </p:sp>
@@ -9592,7 +9592,7 @@
             </a:lvl9pPr>
           </a:lstStyle>
           <a:p>
-            <a:endParaRPr/>
+            <a:endParaRPr dirty="0"/>
           </a:p>
         </p:txBody>
       </p:sp>
@@ -9759,7 +9759,7 @@
             </a:lvl9pPr>
           </a:lstStyle>
           <a:p>
-            <a:endParaRPr/>
+            <a:endParaRPr dirty="0"/>
           </a:p>
         </p:txBody>
       </p:sp>
@@ -9811,7 +9811,7 @@
               </a:rPr>
               <a:t>‹Nº›</a:t>
             </a:fld>
-            <a:endParaRPr lang="es-MX" sz="3741">
+            <a:endParaRPr lang="es-MX" sz="3741" dirty="0">
               <a:solidFill>
                 <a:srgbClr val="888888"/>
               </a:solidFill>
@@ -10368,7 +10368,7 @@
             </a:lvl9pPr>
           </a:lstStyle>
           <a:p>
-            <a:endParaRPr/>
+            <a:endParaRPr dirty="0"/>
           </a:p>
         </p:txBody>
       </p:sp>
@@ -10535,7 +10535,7 @@
             </a:lvl9pPr>
           </a:lstStyle>
           <a:p>
-            <a:endParaRPr/>
+            <a:endParaRPr dirty="0"/>
           </a:p>
         </p:txBody>
       </p:sp>
@@ -10587,7 +10587,7 @@
               </a:rPr>
               <a:t>‹Nº›</a:t>
             </a:fld>
-            <a:endParaRPr lang="es-MX" sz="3741" b="0" i="0" u="none" strike="noStrike" cap="none">
+            <a:endParaRPr lang="es-MX" sz="3741" b="0" i="0" u="none" strike="noStrike" cap="none" dirty="0">
               <a:solidFill>
                 <a:srgbClr val="888888"/>
               </a:solidFill>
@@ -11122,31 +11122,7 @@
                 <a:cs typeface="Cambria"/>
                 <a:sym typeface="Cambria"/>
               </a:rPr>
-              <a:t>Modelado y Control </a:t>
-            </a:r>
-            <a:r>
-              <a:rPr lang="es-ES" sz="4000" b="1" dirty="0" err="1">
-                <a:solidFill>
-                  <a:schemeClr val="dk1"/>
-                </a:solidFill>
-                <a:latin typeface="Cambria"/>
-                <a:ea typeface="Cambria"/>
-                <a:cs typeface="Cambria"/>
-                <a:sym typeface="Cambria"/>
-              </a:rPr>
-              <a:t>Backstepping</a:t>
-            </a:r>
-            <a:r>
-              <a:rPr lang="es-ES" sz="4000" b="1" dirty="0">
-                <a:solidFill>
-                  <a:schemeClr val="dk1"/>
-                </a:solidFill>
-                <a:latin typeface="Cambria"/>
-                <a:ea typeface="Cambria"/>
-                <a:cs typeface="Cambria"/>
-                <a:sym typeface="Cambria"/>
-              </a:rPr>
-              <a:t> de un Brazo Robótico de 6GDL</a:t>
+              <a:t>Modelado y Control Backstepping de un Brazo Robótico de 6GDL</a:t>
             </a:r>
           </a:p>
         </p:txBody>
@@ -11285,7 +11261,7 @@
             <a:avLst/>
           </a:prstGeom>
           <a:solidFill>
-            <a:srgbClr val="00B0F0"/>
+            <a:srgbClr val="0FC313"/>
           </a:solidFill>
           <a:ln w="57150" cap="flat" cmpd="sng">
             <a:noFill/>
@@ -11349,7 +11325,7 @@
             <a:avLst/>
           </a:prstGeom>
           <a:solidFill>
-            <a:srgbClr val="00B0F0"/>
+            <a:srgbClr val="0FC313"/>
           </a:solidFill>
           <a:ln w="57150" cap="flat" cmpd="sng">
             <a:noFill/>
@@ -11431,27 +11407,7 @@
                 <a:latin typeface="Calibri"/>
                 <a:cs typeface="Calibri"/>
               </a:rPr>
-              <a:t>Modelado y control </a:t>
-            </a:r>
-            <a:r>
-              <a:rPr lang="es-PE" sz="2000" dirty="0" err="1">
-                <a:solidFill>
-                  <a:schemeClr val="dk1"/>
-                </a:solidFill>
-                <a:latin typeface="Calibri"/>
-                <a:cs typeface="Calibri"/>
-              </a:rPr>
-              <a:t>Backstepping</a:t>
-            </a:r>
-            <a:r>
-              <a:rPr lang="es-PE" sz="2000" dirty="0">
-                <a:solidFill>
-                  <a:schemeClr val="dk1"/>
-                </a:solidFill>
-                <a:latin typeface="Calibri"/>
-                <a:cs typeface="Calibri"/>
-              </a:rPr>
-              <a:t> de un Brazo Robótico de 6 GDL</a:t>
+              <a:t>Modelado y control Backstepping de un Brazo Robótico de 6 GDL</a:t>
             </a:r>
             <a:endParaRPr lang="es-ES" sz="2000" dirty="0">
               <a:solidFill>
@@ -11496,7 +11452,7 @@
             <a:avLst/>
           </a:prstGeom>
           <a:solidFill>
-            <a:srgbClr val="00B0F0"/>
+            <a:srgbClr val="0FC313"/>
           </a:solidFill>
           <a:ln w="57150" cap="flat" cmpd="sng">
             <a:noFill/>
@@ -11560,7 +11516,7 @@
             <a:avLst/>
           </a:prstGeom>
           <a:solidFill>
-            <a:srgbClr val="00B0F0"/>
+            <a:srgbClr val="0FC313"/>
           </a:solidFill>
           <a:ln w="57150" cap="flat" cmpd="sng">
             <a:noFill/>
@@ -11654,7 +11610,7 @@
                 <a:cs typeface="Calibri"/>
                 <a:sym typeface="Calibri"/>
               </a:rPr>
-              <a:t>En base a los resultados obtenidos de la tabla 3, se puede observar que el modelado del sistema realizado mediante el método de Euler-Lagrange fue correcto, debido a que se logró simular el modelo.</a:t>
+              <a:t>En base a las figuras, se puede observar que el modelado del sistema realizado mediante el método de Euler-Lagrange fue correcto, debido a que se logró simular el modelo.</a:t>
             </a:r>
             <a:endParaRPr sz="2000" dirty="0">
               <a:solidFill>
@@ -11700,7 +11656,7 @@
             <a:avLst/>
           </a:prstGeom>
           <a:solidFill>
-            <a:srgbClr val="00B0F0"/>
+            <a:srgbClr val="0FC313"/>
           </a:solidFill>
           <a:ln w="57150" cap="flat" cmpd="sng">
             <a:noFill/>
@@ -11982,31 +11938,7 @@
                 <a:cs typeface="Calibri"/>
                 <a:sym typeface="Calibri"/>
               </a:rPr>
-              <a:t>Diseño del sistema de control </a:t>
-            </a:r>
-            <a:r>
-              <a:rPr lang="es-PE" sz="2000" dirty="0" err="1">
-                <a:solidFill>
-                  <a:schemeClr val="dk1"/>
-                </a:solidFill>
-                <a:latin typeface="Calibri"/>
-                <a:ea typeface="Calibri"/>
-                <a:cs typeface="Calibri"/>
-                <a:sym typeface="Calibri"/>
-              </a:rPr>
-              <a:t>Backstepping</a:t>
-            </a:r>
-            <a:r>
-              <a:rPr lang="es-PE" sz="2000" dirty="0">
-                <a:solidFill>
-                  <a:schemeClr val="dk1"/>
-                </a:solidFill>
-                <a:latin typeface="Calibri"/>
-                <a:ea typeface="Calibri"/>
-                <a:cs typeface="Calibri"/>
-                <a:sym typeface="Calibri"/>
-              </a:rPr>
-              <a:t>.</a:t>
+              <a:t>Diseño del sistema de control Backstepping.</a:t>
             </a:r>
           </a:p>
           <a:p>
@@ -12047,7 +11979,7 @@
             <a:avLst/>
           </a:prstGeom>
           <a:solidFill>
-            <a:srgbClr val="00B0F0"/>
+            <a:srgbClr val="0FC313"/>
           </a:solidFill>
           <a:ln w="57150" cap="flat" cmpd="sng">
             <a:noFill/>
@@ -12175,7 +12107,7 @@
             <a:avLst/>
           </a:prstGeom>
           <a:solidFill>
-            <a:srgbClr val="00B0F0"/>
+            <a:srgbClr val="0FC313"/>
           </a:solidFill>
           <a:ln w="57150" cap="flat" cmpd="sng">
             <a:noFill/>
@@ -12209,16 +12141,15 @@
               <a:buNone/>
             </a:pPr>
             <a:r>
-              <a:rPr lang="es-ES" sz="2400" b="1" i="0" u="none" strike="noStrike" cap="none" dirty="0">
+              <a:rPr lang="es-ES" sz="2400" b="1" dirty="0">
                 <a:solidFill>
                   <a:schemeClr val="lt1"/>
                 </a:solidFill>
                 <a:latin typeface="Cambria"/>
                 <a:ea typeface="Cambria"/>
-                <a:cs typeface="Cambria"/>
                 <a:sym typeface="Cambria"/>
               </a:rPr>
-              <a:t>ESTUDIOS DE SIMULACIÓN</a:t>
+              <a:t>Resultados de la Simulación</a:t>
             </a:r>
             <a:endParaRPr lang="es-ES" sz="2400" dirty="0"/>
           </a:p>
@@ -12245,7 +12176,7 @@
             <a:avLst/>
           </a:prstGeom>
           <a:solidFill>
-            <a:srgbClr val="00B0F0"/>
+            <a:srgbClr val="0FC313"/>
           </a:solidFill>
           <a:ln w="57150" cap="flat" cmpd="sng">
             <a:noFill/>
@@ -12345,13 +12276,13 @@
         <p:spPr>
           <a:xfrm>
             <a:off x="20776756" y="2990854"/>
-            <a:ext cx="7148585" cy="799624"/>
+            <a:ext cx="7148585" cy="562088"/>
           </a:xfrm>
           <a:prstGeom prst="rect">
             <a:avLst/>
           </a:prstGeom>
           <a:solidFill>
-            <a:srgbClr val="00B0F0"/>
+            <a:srgbClr val="0FC313"/>
           </a:solidFill>
           <a:ln w="57150" cap="flat" cmpd="sng">
             <a:noFill/>
@@ -12392,237 +12323,10 @@
           </a:lstStyle>
           <a:p>
             <a:r>
-              <a:rPr lang="es-MX" dirty="0">
-                <a:sym typeface="Cambria"/>
-              </a:rPr>
-              <a:t>DIAGRAMA DE BLOQUES DEL SISTEMA DE CONTROL LQR</a:t>
+              <a:rPr lang="es-PE" dirty="0"/>
+              <a:t>Matrices del Modelo Dinámico en Matlab</a:t>
             </a:r>
             <a:endParaRPr dirty="0"/>
-          </a:p>
-        </p:txBody>
-      </p:sp>
-      <p:sp>
-        <p:nvSpPr>
-          <p:cNvPr id="132" name="Google Shape;122;p13">
-            <a:extLst>
-              <a:ext uri="{FF2B5EF4-FFF2-40B4-BE49-F238E27FC236}">
-                <a16:creationId xmlns:a16="http://schemas.microsoft.com/office/drawing/2014/main" id="{AA280C18-DD91-4DAA-B6EE-66045E0EA500}"/>
-              </a:ext>
-            </a:extLst>
-          </p:cNvPr>
-          <p:cNvSpPr/>
-          <p:nvPr/>
-        </p:nvSpPr>
-        <p:spPr>
-          <a:xfrm>
-            <a:off x="18985709" y="3746482"/>
-            <a:ext cx="10559574" cy="1648117"/>
-          </a:xfrm>
-          <a:prstGeom prst="rect">
-            <a:avLst/>
-          </a:prstGeom>
-          <a:noFill/>
-          <a:ln w="57150" cap="flat" cmpd="sng">
-            <a:noFill/>
-            <a:prstDash val="solid"/>
-            <a:miter lim="8000"/>
-            <a:headEnd type="none" w="sm" len="sm"/>
-            <a:tailEnd type="none" w="sm" len="sm"/>
-          </a:ln>
-        </p:spPr>
-        <p:txBody>
-          <a:bodyPr spcFirstLastPara="1" wrap="square" lIns="91425" tIns="45700" rIns="91425" bIns="45700" anchor="ctr" anchorCtr="0">
-            <a:noAutofit/>
-          </a:bodyPr>
-          <a:lstStyle/>
-          <a:p>
-            <a:pPr lvl="0" algn="just">
-              <a:buClr>
-                <a:schemeClr val="dk1"/>
-              </a:buClr>
-              <a:buSzPts val="600"/>
-            </a:pPr>
-            <a:r>
-              <a:rPr lang="es-MX" sz="2000" dirty="0">
-                <a:solidFill>
-                  <a:schemeClr val="dk1"/>
-                </a:solidFill>
-                <a:latin typeface="Calibri"/>
-                <a:ea typeface="Calibri"/>
-                <a:cs typeface="Calibri"/>
-                <a:sym typeface="Calibri"/>
-              </a:rPr>
-              <a:t>A continuación se muestra las ecuaciones necesarias para poder implementar un control LQR para que los péndulos se estabilicen en su posición vertical. Abajo se muestra el diagrama de bloques del sistema de control LQR, en donde </a:t>
-            </a:r>
-            <a:r>
-              <a:rPr lang="es-MX" sz="2000" b="1" dirty="0">
-                <a:solidFill>
-                  <a:schemeClr val="dk1"/>
-                </a:solidFill>
-                <a:latin typeface="Calibri"/>
-                <a:ea typeface="Calibri"/>
-                <a:cs typeface="Calibri"/>
-                <a:sym typeface="Calibri"/>
-              </a:rPr>
-              <a:t>K</a:t>
-            </a:r>
-            <a:r>
-              <a:rPr lang="es-MX" sz="2000" dirty="0">
-                <a:solidFill>
-                  <a:schemeClr val="dk1"/>
-                </a:solidFill>
-                <a:latin typeface="Calibri"/>
-                <a:ea typeface="Calibri"/>
-                <a:cs typeface="Calibri"/>
-                <a:sym typeface="Calibri"/>
-              </a:rPr>
-              <a:t> representa la ganancia proporcional, </a:t>
-            </a:r>
-            <a:r>
-              <a:rPr lang="es-MX" sz="2000" i="1" dirty="0">
-                <a:solidFill>
-                  <a:schemeClr val="dk1"/>
-                </a:solidFill>
-                <a:latin typeface="Calibri"/>
-                <a:ea typeface="Calibri"/>
-                <a:cs typeface="Calibri"/>
-                <a:sym typeface="Calibri"/>
-              </a:rPr>
-              <a:t>u</a:t>
-            </a:r>
-            <a:r>
-              <a:rPr lang="es-MX" sz="2000" dirty="0">
-                <a:solidFill>
-                  <a:schemeClr val="dk1"/>
-                </a:solidFill>
-                <a:latin typeface="Calibri"/>
-                <a:ea typeface="Calibri"/>
-                <a:cs typeface="Calibri"/>
-                <a:sym typeface="Calibri"/>
-              </a:rPr>
-              <a:t> es la ley de control, </a:t>
-            </a:r>
-            <a:r>
-              <a:rPr lang="es-MX" sz="2000" b="1" dirty="0">
-                <a:solidFill>
-                  <a:schemeClr val="dk1"/>
-                </a:solidFill>
-                <a:latin typeface="Calibri"/>
-                <a:ea typeface="Calibri"/>
-                <a:cs typeface="Calibri"/>
-                <a:sym typeface="Calibri"/>
-              </a:rPr>
-              <a:t>x</a:t>
-            </a:r>
-            <a:r>
-              <a:rPr lang="es-MX" sz="2000" dirty="0">
-                <a:solidFill>
-                  <a:schemeClr val="dk1"/>
-                </a:solidFill>
-                <a:latin typeface="Calibri"/>
-                <a:ea typeface="Calibri"/>
-                <a:cs typeface="Calibri"/>
-                <a:sym typeface="Calibri"/>
-              </a:rPr>
-              <a:t> es el vector de estado, </a:t>
-            </a:r>
-            <a:r>
-              <a:rPr lang="es-MX" sz="2000" i="1" dirty="0">
-                <a:solidFill>
-                  <a:schemeClr val="dk1"/>
-                </a:solidFill>
-                <a:latin typeface="Calibri"/>
-                <a:ea typeface="Calibri"/>
-                <a:cs typeface="Calibri"/>
-                <a:sym typeface="Calibri"/>
-              </a:rPr>
-              <a:t>y</a:t>
-            </a:r>
-            <a:r>
-              <a:rPr lang="es-MX" sz="2000" dirty="0">
-                <a:solidFill>
-                  <a:schemeClr val="dk1"/>
-                </a:solidFill>
-                <a:latin typeface="Calibri"/>
-                <a:ea typeface="Calibri"/>
-                <a:cs typeface="Calibri"/>
-                <a:sym typeface="Calibri"/>
-              </a:rPr>
-              <a:t> es la salida, </a:t>
-            </a:r>
-            <a:r>
-              <a:rPr lang="es-MX" sz="2000" b="1" dirty="0">
-                <a:solidFill>
-                  <a:schemeClr val="dk1"/>
-                </a:solidFill>
-                <a:latin typeface="Calibri"/>
-                <a:ea typeface="Calibri"/>
-                <a:cs typeface="Calibri"/>
-                <a:sym typeface="Calibri"/>
-              </a:rPr>
-              <a:t>A</a:t>
-            </a:r>
-            <a:r>
-              <a:rPr lang="es-MX" sz="2000" dirty="0">
-                <a:solidFill>
-                  <a:schemeClr val="dk1"/>
-                </a:solidFill>
-                <a:latin typeface="Calibri"/>
-                <a:ea typeface="Calibri"/>
-                <a:cs typeface="Calibri"/>
-                <a:sym typeface="Calibri"/>
-              </a:rPr>
-              <a:t>, </a:t>
-            </a:r>
-            <a:r>
-              <a:rPr lang="es-MX" sz="2000" b="1" dirty="0">
-                <a:solidFill>
-                  <a:schemeClr val="dk1"/>
-                </a:solidFill>
-                <a:latin typeface="Calibri"/>
-                <a:ea typeface="Calibri"/>
-                <a:cs typeface="Calibri"/>
-                <a:sym typeface="Calibri"/>
-              </a:rPr>
-              <a:t>B</a:t>
-            </a:r>
-            <a:r>
-              <a:rPr lang="es-MX" sz="2000" dirty="0">
-                <a:solidFill>
-                  <a:schemeClr val="dk1"/>
-                </a:solidFill>
-                <a:latin typeface="Calibri"/>
-                <a:ea typeface="Calibri"/>
-                <a:cs typeface="Calibri"/>
-                <a:sym typeface="Calibri"/>
-              </a:rPr>
-              <a:t> y </a:t>
-            </a:r>
-            <a:r>
-              <a:rPr lang="es-MX" sz="2000" b="1" dirty="0">
-                <a:solidFill>
-                  <a:schemeClr val="dk1"/>
-                </a:solidFill>
-                <a:latin typeface="Calibri"/>
-                <a:ea typeface="Calibri"/>
-                <a:cs typeface="Calibri"/>
-                <a:sym typeface="Calibri"/>
-              </a:rPr>
-              <a:t>C</a:t>
-            </a:r>
-            <a:r>
-              <a:rPr lang="es-MX" sz="2000" dirty="0">
-                <a:solidFill>
-                  <a:schemeClr val="dk1"/>
-                </a:solidFill>
-                <a:latin typeface="Calibri"/>
-                <a:ea typeface="Calibri"/>
-                <a:cs typeface="Calibri"/>
-                <a:sym typeface="Calibri"/>
-              </a:rPr>
-              <a:t> son las matrices obtenidas al momento de realizar la linealización.</a:t>
-            </a:r>
-            <a:endParaRPr sz="1200" dirty="0"/>
           </a:p>
         </p:txBody>
       </p:sp>
@@ -12704,7 +12408,7 @@
               <a:buNone/>
             </a:pPr>
             <a:r>
-              <a:rPr lang="es-MX" sz="2800" dirty="0">
+              <a:rPr lang="es-MX" sz="2800">
                 <a:solidFill>
                   <a:schemeClr val="dk1"/>
                 </a:solidFill>
@@ -12713,10 +12417,10 @@
                 <a:cs typeface="Cambria"/>
                 <a:sym typeface="Cambria"/>
               </a:rPr>
-              <a:t>E-mail: </a:t>
+              <a:t>Correo: </a:t>
             </a:r>
             <a:r>
-              <a:rPr lang="es-MX" sz="2800" dirty="0" err="1">
+              <a:rPr lang="es-MX" sz="2800" dirty="0">
                 <a:solidFill>
                   <a:schemeClr val="dk1"/>
                 </a:solidFill>
@@ -12725,19 +12429,7 @@
                 <a:cs typeface="Cambria"/>
                 <a:sym typeface="Cambria"/>
               </a:rPr>
-              <a:t>santiago</a:t>
-            </a:r>
-            <a:r>
-              <a:rPr lang="es-MX" sz="2800" dirty="0">
-                <a:solidFill>
-                  <a:schemeClr val="dk1"/>
-                </a:solidFill>
-                <a:latin typeface="Cambria"/>
-                <a:ea typeface="Cambria"/>
-                <a:cs typeface="Cambria"/>
-                <a:sym typeface="Cambria"/>
-              </a:rPr>
-              <a:t>. madariaga@utec.edu.pe</a:t>
+              <a:t>Santiago. madariaga@utec.edu.pe</a:t>
             </a:r>
           </a:p>
           <a:p>
@@ -12786,7 +12478,7 @@
           <a:noFill/>
           <a:ln w="57150">
             <a:solidFill>
-              <a:srgbClr val="00B0F0"/>
+              <a:srgbClr val="0FC313"/>
             </a:solidFill>
           </a:ln>
         </p:spPr>
@@ -12811,7 +12503,7 @@
           <a:lstStyle/>
           <a:p>
             <a:pPr algn="ctr"/>
-            <a:endParaRPr lang="es-PE"/>
+            <a:endParaRPr lang="es-PE" dirty="0"/>
           </a:p>
         </p:txBody>
       </p:sp>
@@ -12840,7 +12532,7 @@
           <a:noFill/>
           <a:ln w="57150">
             <a:solidFill>
-              <a:srgbClr val="00B0F0"/>
+              <a:srgbClr val="0FC313"/>
             </a:solidFill>
           </a:ln>
         </p:spPr>
@@ -12865,7 +12557,7 @@
           <a:lstStyle/>
           <a:p>
             <a:pPr algn="ctr"/>
-            <a:endParaRPr lang="es-PE"/>
+            <a:endParaRPr lang="es-PE" dirty="0"/>
           </a:p>
         </p:txBody>
       </p:sp>
@@ -12894,7 +12586,7 @@
           <a:noFill/>
           <a:ln w="57150">
             <a:solidFill>
-              <a:srgbClr val="00B0F0"/>
+              <a:srgbClr val="0FC313"/>
             </a:solidFill>
           </a:ln>
         </p:spPr>
@@ -12919,7 +12611,7 @@
           <a:lstStyle/>
           <a:p>
             <a:pPr algn="ctr"/>
-            <a:endParaRPr lang="es-PE"/>
+            <a:endParaRPr lang="es-PE" dirty="0"/>
           </a:p>
         </p:txBody>
       </p:sp>
@@ -12948,7 +12640,7 @@
           <a:noFill/>
           <a:ln w="57150">
             <a:solidFill>
-              <a:srgbClr val="00B0F0"/>
+              <a:srgbClr val="0FC313"/>
             </a:solidFill>
           </a:ln>
         </p:spPr>
@@ -12973,7 +12665,7 @@
           <a:lstStyle/>
           <a:p>
             <a:pPr algn="ctr"/>
-            <a:endParaRPr lang="es-PE"/>
+            <a:endParaRPr lang="es-PE" dirty="0"/>
           </a:p>
         </p:txBody>
       </p:sp>
@@ -13002,7 +12694,7 @@
           <a:noFill/>
           <a:ln w="57150">
             <a:solidFill>
-              <a:srgbClr val="00B0F0"/>
+              <a:srgbClr val="0FC313"/>
             </a:solidFill>
           </a:ln>
         </p:spPr>
@@ -13027,7 +12719,7 @@
           <a:lstStyle/>
           <a:p>
             <a:pPr algn="ctr"/>
-            <a:endParaRPr lang="es-PE"/>
+            <a:endParaRPr lang="es-PE" dirty="0"/>
           </a:p>
         </p:txBody>
       </p:sp>
@@ -13056,7 +12748,7 @@
           <a:noFill/>
           <a:ln w="57150">
             <a:solidFill>
-              <a:srgbClr val="00B0F0"/>
+              <a:srgbClr val="0FC313"/>
             </a:solidFill>
           </a:ln>
         </p:spPr>
@@ -13081,7 +12773,7 @@
           <a:lstStyle/>
           <a:p>
             <a:pPr algn="ctr"/>
-            <a:endParaRPr lang="es-PE"/>
+            <a:endParaRPr lang="es-PE" dirty="0"/>
           </a:p>
         </p:txBody>
       </p:sp>
@@ -13110,7 +12802,7 @@
           <a:noFill/>
           <a:ln w="57150">
             <a:solidFill>
-              <a:srgbClr val="00B0F0"/>
+              <a:srgbClr val="0FC313"/>
             </a:solidFill>
           </a:ln>
         </p:spPr>
@@ -13135,7 +12827,7 @@
           <a:lstStyle/>
           <a:p>
             <a:pPr algn="ctr"/>
-            <a:endParaRPr lang="es-PE"/>
+            <a:endParaRPr lang="es-PE" dirty="0"/>
           </a:p>
         </p:txBody>
       </p:sp>
@@ -13164,7 +12856,7 @@
           <a:noFill/>
           <a:ln w="57150">
             <a:solidFill>
-              <a:srgbClr val="00B0F0"/>
+              <a:srgbClr val="0FC313"/>
             </a:solidFill>
           </a:ln>
         </p:spPr>
@@ -13189,7 +12881,7 @@
           <a:lstStyle/>
           <a:p>
             <a:pPr algn="ctr"/>
-            <a:endParaRPr lang="es-PE"/>
+            <a:endParaRPr lang="es-PE" dirty="0"/>
           </a:p>
         </p:txBody>
       </p:sp>
@@ -13218,7 +12910,7 @@
           <a:noFill/>
           <a:ln w="57150">
             <a:solidFill>
-              <a:srgbClr val="00B0F0"/>
+              <a:srgbClr val="0FC313"/>
             </a:solidFill>
           </a:ln>
         </p:spPr>
@@ -13243,7 +12935,7 @@
           <a:lstStyle/>
           <a:p>
             <a:pPr algn="ctr"/>
-            <a:endParaRPr lang="es-PE"/>
+            <a:endParaRPr lang="es-PE" dirty="0"/>
           </a:p>
         </p:txBody>
       </p:sp>
@@ -13272,7 +12964,7 @@
           <a:noFill/>
           <a:ln w="57150">
             <a:solidFill>
-              <a:srgbClr val="00B0F0"/>
+              <a:srgbClr val="0FC313"/>
             </a:solidFill>
           </a:ln>
         </p:spPr>
@@ -13297,7 +12989,7 @@
           <a:lstStyle/>
           <a:p>
             <a:pPr algn="ctr"/>
-            <a:endParaRPr lang="es-PE"/>
+            <a:endParaRPr lang="es-PE" dirty="0"/>
           </a:p>
         </p:txBody>
       </p:sp>
@@ -13326,7 +13018,7 @@
           <a:noFill/>
           <a:ln w="57150">
             <a:solidFill>
-              <a:srgbClr val="00B0F0"/>
+              <a:srgbClr val="0FC313"/>
             </a:solidFill>
           </a:ln>
         </p:spPr>
@@ -13351,70 +13043,10 @@
           <a:lstStyle/>
           <a:p>
             <a:pPr algn="ctr"/>
-            <a:endParaRPr lang="es-PE"/>
+            <a:endParaRPr lang="es-PE" dirty="0"/>
           </a:p>
         </p:txBody>
       </p:sp>
-      <p:pic>
-        <p:nvPicPr>
-          <p:cNvPr id="30" name="Imagen 29">
-            <a:extLst>
-              <a:ext uri="{FF2B5EF4-FFF2-40B4-BE49-F238E27FC236}">
-                <a16:creationId xmlns:a16="http://schemas.microsoft.com/office/drawing/2014/main" id="{3BD5265A-25A2-4366-918F-B5CE5D9FD627}"/>
-              </a:ext>
-            </a:extLst>
-          </p:cNvPr>
-          <p:cNvPicPr>
-            <a:picLocks noChangeAspect="1"/>
-          </p:cNvPicPr>
-          <p:nvPr/>
-        </p:nvPicPr>
-        <p:blipFill>
-          <a:blip r:embed="rId5"/>
-          <a:stretch>
-            <a:fillRect/>
-          </a:stretch>
-        </p:blipFill>
-        <p:spPr>
-          <a:xfrm>
-            <a:off x="19349849" y="5481075"/>
-            <a:ext cx="7514187" cy="1804067"/>
-          </a:xfrm>
-          <a:prstGeom prst="rect">
-            <a:avLst/>
-          </a:prstGeom>
-        </p:spPr>
-      </p:pic>
-      <p:pic>
-        <p:nvPicPr>
-          <p:cNvPr id="33" name="Imagen 32">
-            <a:extLst>
-              <a:ext uri="{FF2B5EF4-FFF2-40B4-BE49-F238E27FC236}">
-                <a16:creationId xmlns:a16="http://schemas.microsoft.com/office/drawing/2014/main" id="{24DF9BB6-F96C-4291-BA17-BBEBD44CCB93}"/>
-              </a:ext>
-            </a:extLst>
-          </p:cNvPr>
-          <p:cNvPicPr>
-            <a:picLocks noChangeAspect="1"/>
-          </p:cNvPicPr>
-          <p:nvPr/>
-        </p:nvPicPr>
-        <p:blipFill>
-          <a:blip r:embed="rId6"/>
-          <a:stretch>
-            <a:fillRect/>
-          </a:stretch>
-        </p:blipFill>
-        <p:spPr>
-          <a:xfrm>
-            <a:off x="26888020" y="5242601"/>
-            <a:ext cx="2648042" cy="2324807"/>
-          </a:xfrm>
-          <a:prstGeom prst="rect">
-            <a:avLst/>
-          </a:prstGeom>
-        </p:spPr>
-      </p:pic>
       <p:pic>
         <p:nvPicPr>
           <p:cNvPr id="1026" name="Picture 2" descr="Brazo Robot de 6 Grados de Libertad + 06 servomotores + Pinza de Aluminio">
@@ -13430,7 +13062,7 @@
           <p:nvPr/>
         </p:nvPicPr>
         <p:blipFill>
-          <a:blip r:embed="rId7">
+          <a:blip r:embed="rId5">
             <a:extLst>
               <a:ext uri="{28A0092B-C50C-407E-A947-70E740481C1C}">
                 <a14:useLocalDpi xmlns:a14="http://schemas.microsoft.com/office/drawing/2010/main" val="0"/>
@@ -13483,7 +13115,7 @@
             <a:avLst/>
           </a:prstGeom>
           <a:solidFill>
-            <a:srgbClr val="00B0F0"/>
+            <a:srgbClr val="0FC313"/>
           </a:solidFill>
           <a:ln w="57150" cap="flat" cmpd="sng">
             <a:noFill/>
@@ -13527,19 +13159,7 @@
               <a:rPr lang="es-MX" dirty="0">
                 <a:sym typeface="Cambria"/>
               </a:rPr>
-              <a:t>Diseño del Controlador </a:t>
-            </a:r>
-            <a:r>
-              <a:rPr lang="es-MX" dirty="0" err="1">
-                <a:sym typeface="Cambria"/>
-              </a:rPr>
-              <a:t>Backstepping</a:t>
-            </a:r>
-            <a:r>
-              <a:rPr lang="es-MX" dirty="0">
-                <a:sym typeface="Cambria"/>
-              </a:rPr>
-              <a:t>[2]:</a:t>
+              <a:t>Diseño del Controlador Backstepping[2]:</a:t>
             </a:r>
           </a:p>
         </p:txBody>
@@ -13614,8 +13234,8 @@
           </a:p>
         </p:txBody>
       </p:sp>
-      <mc:AlternateContent xmlns:mc="http://schemas.openxmlformats.org/markup-compatibility/2006">
-        <mc:Choice xmlns:a14="http://schemas.microsoft.com/office/drawing/2010/main" Requires="a14">
+      <mc:AlternateContent xmlns:mc="http://schemas.openxmlformats.org/markup-compatibility/2006" xmlns:a14="http://schemas.microsoft.com/office/drawing/2010/main">
+        <mc:Choice Requires="a14">
           <p:sp>
             <p:nvSpPr>
               <p:cNvPr id="95" name="CuadroTexto 94">
@@ -15241,7 +14861,7 @@
             </p:txBody>
           </p:sp>
         </mc:Choice>
-        <mc:Fallback>
+        <mc:Fallback xmlns="">
           <p:sp>
             <p:nvSpPr>
               <p:cNvPr id="95" name="CuadroTexto 94">
@@ -15286,8 +14906,8 @@
           </p:sp>
         </mc:Fallback>
       </mc:AlternateContent>
-      <mc:AlternateContent xmlns:mc="http://schemas.openxmlformats.org/markup-compatibility/2006">
-        <mc:Choice xmlns:a14="http://schemas.microsoft.com/office/drawing/2010/main" Requires="a14">
+      <mc:AlternateContent xmlns:mc="http://schemas.openxmlformats.org/markup-compatibility/2006" xmlns:a14="http://schemas.microsoft.com/office/drawing/2010/main">
+        <mc:Choice Requires="a14">
           <p:sp>
             <p:nvSpPr>
               <p:cNvPr id="103" name="CuadroTexto 102">
@@ -15777,7 +15397,7 @@
             </p:txBody>
           </p:sp>
         </mc:Choice>
-        <mc:Fallback>
+        <mc:Fallback xmlns="">
           <p:sp>
             <p:nvSpPr>
               <p:cNvPr id="103" name="CuadroTexto 102">
@@ -15890,66 +15510,6 @@
       </p:sp>
       <p:pic>
         <p:nvPicPr>
-          <p:cNvPr id="60" name="Imagen 59" descr="Imagen que contiene Calendario&#10;&#10;Descripción generada automáticamente">
-            <a:extLst>
-              <a:ext uri="{FF2B5EF4-FFF2-40B4-BE49-F238E27FC236}">
-                <a16:creationId xmlns:a16="http://schemas.microsoft.com/office/drawing/2014/main" id="{6082F1B8-71B3-2F7B-21DB-C7775D4526C3}"/>
-              </a:ext>
-            </a:extLst>
-          </p:cNvPr>
-          <p:cNvPicPr>
-            <a:picLocks noChangeAspect="1"/>
-          </p:cNvPicPr>
-          <p:nvPr/>
-        </p:nvPicPr>
-        <p:blipFill>
-          <a:blip r:embed="rId11"/>
-          <a:stretch>
-            <a:fillRect/>
-          </a:stretch>
-        </p:blipFill>
-        <p:spPr>
-          <a:xfrm>
-            <a:off x="19193935" y="9127813"/>
-            <a:ext cx="4905375" cy="5495925"/>
-          </a:xfrm>
-          <a:prstGeom prst="rect">
-            <a:avLst/>
-          </a:prstGeom>
-        </p:spPr>
-      </p:pic>
-      <p:pic>
-        <p:nvPicPr>
-          <p:cNvPr id="64" name="Imagen 63" descr="Imagen que contiene Calendario&#10;&#10;Descripción generada automáticamente">
-            <a:extLst>
-              <a:ext uri="{FF2B5EF4-FFF2-40B4-BE49-F238E27FC236}">
-                <a16:creationId xmlns:a16="http://schemas.microsoft.com/office/drawing/2014/main" id="{6625CA56-2242-9E5C-923C-D4303D6F6303}"/>
-              </a:ext>
-            </a:extLst>
-          </p:cNvPr>
-          <p:cNvPicPr>
-            <a:picLocks noChangeAspect="1"/>
-          </p:cNvPicPr>
-          <p:nvPr/>
-        </p:nvPicPr>
-        <p:blipFill>
-          <a:blip r:embed="rId12"/>
-          <a:stretch>
-            <a:fillRect/>
-          </a:stretch>
-        </p:blipFill>
-        <p:spPr>
-          <a:xfrm>
-            <a:off x="24463907" y="9174209"/>
-            <a:ext cx="4848225" cy="5457825"/>
-          </a:xfrm>
-          <a:prstGeom prst="rect">
-            <a:avLst/>
-          </a:prstGeom>
-        </p:spPr>
-      </p:pic>
-      <p:pic>
-        <p:nvPicPr>
           <p:cNvPr id="82" name="Imagen 81">
             <a:extLst>
               <a:ext uri="{FF2B5EF4-FFF2-40B4-BE49-F238E27FC236}">
@@ -15963,7 +15523,7 @@
           <p:nvPr/>
         </p:nvPicPr>
         <p:blipFill rotWithShape="1">
-          <a:blip r:embed="rId13"/>
+          <a:blip r:embed="rId11"/>
           <a:srcRect l="12966" r="11673"/>
           <a:stretch/>
         </p:blipFill>
@@ -16064,8 +15624,8 @@
           </a:p>
         </p:txBody>
       </p:sp>
-      <mc:AlternateContent xmlns:mc="http://schemas.openxmlformats.org/markup-compatibility/2006">
-        <mc:Choice xmlns:a14="http://schemas.microsoft.com/office/drawing/2010/main" Requires="a14">
+      <mc:AlternateContent xmlns:mc="http://schemas.openxmlformats.org/markup-compatibility/2006" xmlns:a14="http://schemas.microsoft.com/office/drawing/2010/main">
+        <mc:Choice Requires="a14">
           <p:sp>
             <p:nvSpPr>
               <p:cNvPr id="111" name="CuadroTexto 110">
@@ -17016,7 +16576,7 @@
             </p:txBody>
           </p:sp>
         </mc:Choice>
-        <mc:Fallback>
+        <mc:Fallback xmlns="">
           <p:sp>
             <p:nvSpPr>
               <p:cNvPr id="111" name="CuadroTexto 110">
@@ -17061,8 +16621,8 @@
           </p:sp>
         </mc:Fallback>
       </mc:AlternateContent>
-      <mc:AlternateContent xmlns:mc="http://schemas.openxmlformats.org/markup-compatibility/2006">
-        <mc:Choice xmlns:a14="http://schemas.microsoft.com/office/drawing/2010/main" Requires="a14">
+      <mc:AlternateContent xmlns:mc="http://schemas.openxmlformats.org/markup-compatibility/2006" xmlns:a14="http://schemas.microsoft.com/office/drawing/2010/main">
+        <mc:Choice Requires="a14">
           <p:sp>
             <p:nvSpPr>
               <p:cNvPr id="114" name="CuadroTexto 113">
@@ -18362,7 +17922,7 @@
             </p:txBody>
           </p:sp>
         </mc:Choice>
-        <mc:Fallback>
+        <mc:Fallback xmlns="">
           <p:sp>
             <p:nvSpPr>
               <p:cNvPr id="114" name="CuadroTexto 113">
@@ -18679,8 +18239,8 @@
           </a:p>
         </p:txBody>
       </p:sp>
-      <mc:AlternateContent xmlns:mc="http://schemas.openxmlformats.org/markup-compatibility/2006">
-        <mc:Choice xmlns:a14="http://schemas.microsoft.com/office/drawing/2010/main" Requires="a14">
+      <mc:AlternateContent xmlns:mc="http://schemas.openxmlformats.org/markup-compatibility/2006" xmlns:a14="http://schemas.microsoft.com/office/drawing/2010/main">
+        <mc:Choice Requires="a14">
           <p:sp>
             <p:nvSpPr>
               <p:cNvPr id="122" name="CuadroTexto 121">
@@ -20306,7 +19866,7 @@
             </p:txBody>
           </p:sp>
         </mc:Choice>
-        <mc:Fallback>
+        <mc:Fallback xmlns="">
           <p:sp>
             <p:nvSpPr>
               <p:cNvPr id="122" name="CuadroTexto 121">
@@ -20380,8 +19940,8 @@
           </a:prstGeom>
         </p:spPr>
       </p:pic>
-      <mc:AlternateContent xmlns:mc="http://schemas.openxmlformats.org/markup-compatibility/2006">
-        <mc:Choice xmlns:a14="http://schemas.microsoft.com/office/drawing/2010/main" Requires="a14">
+      <mc:AlternateContent xmlns:mc="http://schemas.openxmlformats.org/markup-compatibility/2006" xmlns:a14="http://schemas.microsoft.com/office/drawing/2010/main">
+        <mc:Choice Requires="a14">
           <p:sp>
             <p:nvSpPr>
               <p:cNvPr id="126" name="CuadroTexto 125">
@@ -22007,7 +21567,7 @@
             </p:txBody>
           </p:sp>
         </mc:Choice>
-        <mc:Fallback>
+        <mc:Fallback xmlns="">
           <p:sp>
             <p:nvSpPr>
               <p:cNvPr id="126" name="CuadroTexto 125">
@@ -22489,15 +22049,369 @@
             <a:pPr algn="ctr"/>
             <a:r>
               <a:rPr lang="es-PE" sz="1800" b="1" dirty="0"/>
-              <a:t>Función </a:t>
+              <a:t>Función Lyapunov Candidata:</a:t>
             </a:r>
+          </a:p>
+        </p:txBody>
+      </p:sp>
+      <p:sp>
+        <p:nvSpPr>
+          <p:cNvPr id="77" name="CuadroTexto 76">
+            <a:extLst>
+              <a:ext uri="{FF2B5EF4-FFF2-40B4-BE49-F238E27FC236}">
+                <a16:creationId xmlns:a16="http://schemas.microsoft.com/office/drawing/2014/main" id="{2A147754-BC23-B6DF-5A95-546FE1699E1D}"/>
+              </a:ext>
+            </a:extLst>
+          </p:cNvPr>
+          <p:cNvSpPr txBox="1"/>
+          <p:nvPr/>
+        </p:nvSpPr>
+        <p:spPr>
+          <a:xfrm>
+            <a:off x="19885683" y="4623386"/>
+            <a:ext cx="9318967" cy="2554545"/>
+          </a:xfrm>
+          <a:prstGeom prst="rect">
+            <a:avLst/>
+          </a:prstGeom>
+          <a:noFill/>
+        </p:spPr>
+        <p:txBody>
+          <a:bodyPr wrap="square">
+            <a:spAutoFit/>
+          </a:bodyPr>
+          <a:lstStyle/>
+          <a:p>
+            <a:pPr>
+              <a:lnSpc>
+                <a:spcPct val="200000"/>
+              </a:lnSpc>
+            </a:pPr>
             <a:r>
-              <a:rPr lang="es-PE" sz="1800" b="1" dirty="0" err="1"/>
-              <a:t>Lyapunov</a:t>
+              <a:rPr lang="es-PE" sz="2800" b="0" i="0" dirty="0">
+                <a:solidFill>
+                  <a:srgbClr val="212121"/>
+                </a:solidFill>
+                <a:effectLst/>
+                <a:latin typeface="Consolas" panose="020B0609020204030204" pitchFamily="49" charset="0"/>
+              </a:rPr>
+              <a:t>M = matlabFunction(vpa(simplify(expand(M))));</a:t>
             </a:r>
+          </a:p>
+          <a:p>
+            <a:pPr>
+              <a:lnSpc>
+                <a:spcPct val="200000"/>
+              </a:lnSpc>
+            </a:pPr>
+            <a:r>
+              <a:rPr lang="es-PE" sz="2800" b="0" i="0" dirty="0">
+                <a:solidFill>
+                  <a:srgbClr val="212121"/>
+                </a:solidFill>
+                <a:effectLst/>
+                <a:latin typeface="Consolas" panose="020B0609020204030204" pitchFamily="49" charset="0"/>
+              </a:rPr>
+              <a:t>P = matlabFunction(vpa(simplify(expand(P))));</a:t>
+            </a:r>
+          </a:p>
+          <a:p>
+            <a:pPr>
+              <a:lnSpc>
+                <a:spcPct val="200000"/>
+              </a:lnSpc>
+            </a:pPr>
+            <a:r>
+              <a:rPr lang="es-PE" sz="2800" b="0" i="0" dirty="0">
+                <a:solidFill>
+                  <a:srgbClr val="212121"/>
+                </a:solidFill>
+                <a:effectLst/>
+                <a:latin typeface="Consolas" panose="020B0609020204030204" pitchFamily="49" charset="0"/>
+              </a:rPr>
+              <a:t>D = matlabFunction(vpa(simplify(expand(D))));</a:t>
+            </a:r>
+          </a:p>
+        </p:txBody>
+      </p:sp>
+      <p:sp>
+        <p:nvSpPr>
+          <p:cNvPr id="78" name="CuadroTexto 77">
+            <a:extLst>
+              <a:ext uri="{FF2B5EF4-FFF2-40B4-BE49-F238E27FC236}">
+                <a16:creationId xmlns:a16="http://schemas.microsoft.com/office/drawing/2014/main" id="{C7AFA13A-4B76-5302-157B-97FAED337A83}"/>
+              </a:ext>
+            </a:extLst>
+          </p:cNvPr>
+          <p:cNvSpPr txBox="1">
+            <a:spLocks/>
+          </p:cNvSpPr>
+          <p:nvPr/>
+        </p:nvSpPr>
+        <p:spPr>
+          <a:xfrm>
+            <a:off x="19549995" y="3959694"/>
+            <a:ext cx="9434432" cy="707886"/>
+          </a:xfrm>
+          <a:prstGeom prst="rect">
+            <a:avLst/>
+          </a:prstGeom>
+          <a:noFill/>
+        </p:spPr>
+        <p:txBody>
+          <a:bodyPr wrap="square" numCol="1">
+            <a:spAutoFit/>
+          </a:bodyPr>
+          <a:lstStyle/>
+          <a:p>
+            <a:pPr algn="just"/>
+            <a:r>
+              <a:rPr lang="es-PE" sz="2000" b="0" i="0" dirty="0">
+                <a:solidFill>
+                  <a:srgbClr val="212121"/>
+                </a:solidFill>
+                <a:effectLst/>
+                <a:latin typeface="Calibri" panose="020F0502020204030204" pitchFamily="34" charset="0"/>
+                <a:cs typeface="Calibri" panose="020F0502020204030204" pitchFamily="34" charset="0"/>
+              </a:rPr>
+              <a:t>Para la simulación, se convierten las matrices con variables simbólicas a funciones de Matlab. Esto reduce el tiempo de ejecución del lazo de control.</a:t>
+            </a:r>
+          </a:p>
+        </p:txBody>
+      </p:sp>
+      <p:pic>
+        <p:nvPicPr>
+          <p:cNvPr id="9" name="Imagen 8" descr="Imagen que contiene Gráfico de líneas&#10;&#10;Descripción generada automáticamente">
+            <a:extLst>
+              <a:ext uri="{FF2B5EF4-FFF2-40B4-BE49-F238E27FC236}">
+                <a16:creationId xmlns:a16="http://schemas.microsoft.com/office/drawing/2014/main" id="{ED8EC5A5-6708-E7B1-8C10-0B933E88C62C}"/>
+              </a:ext>
+            </a:extLst>
+          </p:cNvPr>
+          <p:cNvPicPr>
+            <a:picLocks noChangeAspect="1"/>
+          </p:cNvPicPr>
+          <p:nvPr/>
+        </p:nvPicPr>
+        <p:blipFill>
+          <a:blip r:embed="rId30"/>
+          <a:stretch>
+            <a:fillRect/>
+          </a:stretch>
+        </p:blipFill>
+        <p:spPr>
+          <a:xfrm>
+            <a:off x="24670271" y="9755708"/>
+            <a:ext cx="4985728" cy="5830249"/>
+          </a:xfrm>
+          <a:prstGeom prst="rect">
+            <a:avLst/>
+          </a:prstGeom>
+        </p:spPr>
+      </p:pic>
+      <p:pic>
+        <p:nvPicPr>
+          <p:cNvPr id="21" name="Imagen 20" descr="Calendario&#10;&#10;Descripción generada automáticamente">
+            <a:extLst>
+              <a:ext uri="{FF2B5EF4-FFF2-40B4-BE49-F238E27FC236}">
+                <a16:creationId xmlns:a16="http://schemas.microsoft.com/office/drawing/2014/main" id="{23050382-C5C8-561F-29B1-829445C884D9}"/>
+              </a:ext>
+            </a:extLst>
+          </p:cNvPr>
+          <p:cNvPicPr>
+            <a:picLocks noChangeAspect="1"/>
+          </p:cNvPicPr>
+          <p:nvPr/>
+        </p:nvPicPr>
+        <p:blipFill>
+          <a:blip r:embed="rId31"/>
+          <a:stretch>
+            <a:fillRect/>
+          </a:stretch>
+        </p:blipFill>
+        <p:spPr>
+          <a:xfrm>
+            <a:off x="19237636" y="9724983"/>
+            <a:ext cx="5373204" cy="5961215"/>
+          </a:xfrm>
+          <a:prstGeom prst="rect">
+            <a:avLst/>
+          </a:prstGeom>
+        </p:spPr>
+      </p:pic>
+      <p:sp>
+        <p:nvSpPr>
+          <p:cNvPr id="93" name="CuadroTexto 92">
+            <a:extLst>
+              <a:ext uri="{FF2B5EF4-FFF2-40B4-BE49-F238E27FC236}">
+                <a16:creationId xmlns:a16="http://schemas.microsoft.com/office/drawing/2014/main" id="{8894D631-93C3-458E-D257-D7F6986F00D8}"/>
+              </a:ext>
+            </a:extLst>
+          </p:cNvPr>
+          <p:cNvSpPr txBox="1"/>
+          <p:nvPr/>
+        </p:nvSpPr>
+        <p:spPr>
+          <a:xfrm>
+            <a:off x="19885683" y="9098935"/>
+            <a:ext cx="3614759" cy="369332"/>
+          </a:xfrm>
+          <a:prstGeom prst="rect">
+            <a:avLst/>
+          </a:prstGeom>
+          <a:noFill/>
+        </p:spPr>
+        <p:txBody>
+          <a:bodyPr wrap="square" rtlCol="0">
+            <a:spAutoFit/>
+          </a:bodyPr>
+          <a:lstStyle/>
+          <a:p>
+            <a:pPr algn="ctr"/>
             <a:r>
               <a:rPr lang="es-PE" sz="1800" b="1" dirty="0"/>
-              <a:t> Candidata:</a:t>
+              <a:t>Simulación de regulación</a:t>
+            </a:r>
+          </a:p>
+        </p:txBody>
+      </p:sp>
+      <p:sp>
+        <p:nvSpPr>
+          <p:cNvPr id="99" name="CuadroTexto 98">
+            <a:extLst>
+              <a:ext uri="{FF2B5EF4-FFF2-40B4-BE49-F238E27FC236}">
+                <a16:creationId xmlns:a16="http://schemas.microsoft.com/office/drawing/2014/main" id="{F6EDB071-B893-2EEB-E113-41599A5FA643}"/>
+              </a:ext>
+            </a:extLst>
+          </p:cNvPr>
+          <p:cNvSpPr txBox="1"/>
+          <p:nvPr/>
+        </p:nvSpPr>
+        <p:spPr>
+          <a:xfrm>
+            <a:off x="25355755" y="9082837"/>
+            <a:ext cx="3614759" cy="369332"/>
+          </a:xfrm>
+          <a:prstGeom prst="rect">
+            <a:avLst/>
+          </a:prstGeom>
+          <a:noFill/>
+        </p:spPr>
+        <p:txBody>
+          <a:bodyPr wrap="square" rtlCol="0">
+            <a:spAutoFit/>
+          </a:bodyPr>
+          <a:lstStyle/>
+          <a:p>
+            <a:pPr algn="ctr"/>
+            <a:r>
+              <a:rPr lang="es-PE" sz="1800" b="1" dirty="0"/>
+              <a:t>Simulación de seguimiento</a:t>
+            </a:r>
+          </a:p>
+        </p:txBody>
+      </p:sp>
+      <p:sp>
+        <p:nvSpPr>
+          <p:cNvPr id="106" name="CuadroTexto 105">
+            <a:extLst>
+              <a:ext uri="{FF2B5EF4-FFF2-40B4-BE49-F238E27FC236}">
+                <a16:creationId xmlns:a16="http://schemas.microsoft.com/office/drawing/2014/main" id="{2F202C1C-5AEB-3562-0C1E-BF13E2B99E9E}"/>
+              </a:ext>
+            </a:extLst>
+          </p:cNvPr>
+          <p:cNvSpPr txBox="1"/>
+          <p:nvPr/>
+        </p:nvSpPr>
+        <p:spPr>
+          <a:xfrm>
+            <a:off x="10944744" y="14529571"/>
+            <a:ext cx="5007869" cy="307777"/>
+          </a:xfrm>
+          <a:prstGeom prst="rect">
+            <a:avLst/>
+          </a:prstGeom>
+          <a:noFill/>
+        </p:spPr>
+        <p:txBody>
+          <a:bodyPr wrap="square" rtlCol="0">
+            <a:spAutoFit/>
+          </a:bodyPr>
+          <a:lstStyle/>
+          <a:p>
+            <a:r>
+              <a:rPr lang="es-PE" dirty="0"/>
+              <a:t>Figura 3. Diagrama del actuador [2]</a:t>
+            </a:r>
+          </a:p>
+        </p:txBody>
+      </p:sp>
+      <p:sp>
+        <p:nvSpPr>
+          <p:cNvPr id="108" name="CuadroTexto 107">
+            <a:extLst>
+              <a:ext uri="{FF2B5EF4-FFF2-40B4-BE49-F238E27FC236}">
+                <a16:creationId xmlns:a16="http://schemas.microsoft.com/office/drawing/2014/main" id="{CE9273FD-A0B7-05D5-90E7-6B80D207A359}"/>
+              </a:ext>
+            </a:extLst>
+          </p:cNvPr>
+          <p:cNvSpPr txBox="1"/>
+          <p:nvPr/>
+        </p:nvSpPr>
+        <p:spPr>
+          <a:xfrm>
+            <a:off x="19811178" y="15615940"/>
+            <a:ext cx="4499933" cy="523220"/>
+          </a:xfrm>
+          <a:prstGeom prst="rect">
+            <a:avLst/>
+          </a:prstGeom>
+          <a:noFill/>
+        </p:spPr>
+        <p:txBody>
+          <a:bodyPr wrap="square" rtlCol="0">
+            <a:spAutoFit/>
+          </a:bodyPr>
+          <a:lstStyle/>
+          <a:p>
+            <a:r>
+              <a:rPr lang="es-PE" dirty="0"/>
+              <a:t>Figura 3. Señales de las salidas y referencias en regulación</a:t>
+            </a:r>
+          </a:p>
+        </p:txBody>
+      </p:sp>
+      <p:sp>
+        <p:nvSpPr>
+          <p:cNvPr id="109" name="CuadroTexto 108">
+            <a:extLst>
+              <a:ext uri="{FF2B5EF4-FFF2-40B4-BE49-F238E27FC236}">
+                <a16:creationId xmlns:a16="http://schemas.microsoft.com/office/drawing/2014/main" id="{CCF04BE7-9BEE-C74D-DB4D-BEA2BABF28C6}"/>
+              </a:ext>
+            </a:extLst>
+          </p:cNvPr>
+          <p:cNvSpPr txBox="1"/>
+          <p:nvPr/>
+        </p:nvSpPr>
+        <p:spPr>
+          <a:xfrm>
+            <a:off x="25088613" y="15615941"/>
+            <a:ext cx="4447449" cy="523220"/>
+          </a:xfrm>
+          <a:prstGeom prst="rect">
+            <a:avLst/>
+          </a:prstGeom>
+          <a:noFill/>
+        </p:spPr>
+        <p:txBody>
+          <a:bodyPr wrap="square" rtlCol="0">
+            <a:spAutoFit/>
+          </a:bodyPr>
+          <a:lstStyle/>
+          <a:p>
+            <a:r>
+              <a:rPr lang="es-PE" dirty="0"/>
+              <a:t>Figura 5. Señales delas salidas y las referencias en seguimiento</a:t>
             </a:r>
           </a:p>
         </p:txBody>

--- a/santiago_madariaga_backstepping.pptx
+++ b/santiago_madariaga_backstepping.pptx
@@ -11718,7 +11718,7 @@
         <p:spPr>
           <a:xfrm>
             <a:off x="19193934" y="19176127"/>
-            <a:ext cx="10391565" cy="1946658"/>
+            <a:ext cx="10391565" cy="1347189"/>
           </a:xfrm>
           <a:prstGeom prst="rect">
             <a:avLst/>
@@ -11746,7 +11746,7 @@
               <a:buAutoNum type="arabicPeriod"/>
             </a:pPr>
             <a:r>
-              <a:rPr lang="es-PE" sz="1600" dirty="0">
+              <a:rPr lang="es-PE" sz="1600">
                 <a:solidFill>
                   <a:schemeClr val="dk1"/>
                 </a:solidFill>
@@ -11767,7 +11767,7 @@
               <a:buAutoNum type="arabicPeriod"/>
             </a:pPr>
             <a:r>
-              <a:rPr lang="es-PE" sz="1600" dirty="0">
+              <a:rPr lang="es-PE" sz="1600">
                 <a:solidFill>
                   <a:schemeClr val="dk1"/>
                 </a:solidFill>
@@ -11778,6 +11778,15 @@
               </a:rPr>
               <a:t>A. Rojas, “Control No Lineal Multivariable, Aplicaciones en Tiempo Real”, Editorial: UNI, 2012, ISB: 978-612-4072-18-5. </a:t>
             </a:r>
+            <a:endParaRPr lang="es-PE" sz="1600" dirty="0">
+              <a:solidFill>
+                <a:schemeClr val="dk1"/>
+              </a:solidFill>
+              <a:latin typeface="Calibri"/>
+              <a:ea typeface="Calibri"/>
+              <a:cs typeface="Calibri"/>
+              <a:sym typeface="Calibri"/>
+            </a:endParaRPr>
           </a:p>
         </p:txBody>
       </p:sp>
@@ -12522,7 +12531,7 @@
         <p:spPr>
           <a:xfrm>
             <a:off x="156426" y="2906938"/>
-            <a:ext cx="8713335" cy="967457"/>
+            <a:ext cx="8673781" cy="967457"/>
           </a:xfrm>
           <a:prstGeom prst="roundRect">
             <a:avLst>
@@ -12580,7 +12589,7 @@
           </a:xfrm>
           <a:prstGeom prst="roundRect">
             <a:avLst>
-              <a:gd name="adj" fmla="val 9095"/>
+              <a:gd name="adj" fmla="val 14040"/>
             </a:avLst>
           </a:prstGeom>
           <a:noFill/>
@@ -12634,7 +12643,7 @@
           </a:xfrm>
           <a:prstGeom prst="roundRect">
             <a:avLst>
-              <a:gd name="adj" fmla="val 5141"/>
+              <a:gd name="adj" fmla="val 8352"/>
             </a:avLst>
           </a:prstGeom>
           <a:noFill/>
@@ -12688,7 +12697,7 @@
           </a:xfrm>
           <a:prstGeom prst="roundRect">
             <a:avLst>
-              <a:gd name="adj" fmla="val 1361"/>
+              <a:gd name="adj" fmla="val 4000"/>
             </a:avLst>
           </a:prstGeom>
           <a:noFill/>
@@ -12742,7 +12751,7 @@
           </a:xfrm>
           <a:prstGeom prst="roundRect">
             <a:avLst>
-              <a:gd name="adj" fmla="val 6507"/>
+              <a:gd name="adj" fmla="val 4529"/>
             </a:avLst>
           </a:prstGeom>
           <a:noFill/>
@@ -12796,7 +12805,7 @@
           </a:xfrm>
           <a:prstGeom prst="roundRect">
             <a:avLst>
-              <a:gd name="adj" fmla="val 3052"/>
+              <a:gd name="adj" fmla="val 4604"/>
             </a:avLst>
           </a:prstGeom>
           <a:noFill/>
@@ -12845,7 +12854,7 @@
         </p:nvSpPr>
         <p:spPr>
           <a:xfrm>
-            <a:off x="19033676" y="2906938"/>
+            <a:off x="19033676" y="2842940"/>
             <a:ext cx="10981483" cy="4864399"/>
           </a:xfrm>
           <a:prstGeom prst="roundRect">
@@ -12904,7 +12913,7 @@
           </a:xfrm>
           <a:prstGeom prst="roundRect">
             <a:avLst>
-              <a:gd name="adj" fmla="val 6507"/>
+              <a:gd name="adj" fmla="val 4959"/>
             </a:avLst>
           </a:prstGeom>
           <a:noFill/>
@@ -12958,7 +12967,7 @@
           </a:xfrm>
           <a:prstGeom prst="roundRect">
             <a:avLst>
-              <a:gd name="adj" fmla="val 25329"/>
+              <a:gd name="adj" fmla="val 19055"/>
             </a:avLst>
           </a:prstGeom>
           <a:noFill/>
@@ -13012,7 +13021,7 @@
           </a:xfrm>
           <a:prstGeom prst="roundRect">
             <a:avLst>
-              <a:gd name="adj" fmla="val 4780"/>
+              <a:gd name="adj" fmla="val 13913"/>
             </a:avLst>
           </a:prstGeom>
           <a:noFill/>
@@ -22412,6 +22421,41 @@
             <a:r>
               <a:rPr lang="es-PE" dirty="0"/>
               <a:t>Figura 5. Señales delas salidas y las referencias en seguimiento</a:t>
+            </a:r>
+          </a:p>
+        </p:txBody>
+      </p:sp>
+      <p:sp>
+        <p:nvSpPr>
+          <p:cNvPr id="110" name="CuadroTexto 109">
+            <a:extLst>
+              <a:ext uri="{FF2B5EF4-FFF2-40B4-BE49-F238E27FC236}">
+                <a16:creationId xmlns:a16="http://schemas.microsoft.com/office/drawing/2014/main" id="{B609AF82-E098-23A9-6856-A202C19EBD86}"/>
+              </a:ext>
+            </a:extLst>
+          </p:cNvPr>
+          <p:cNvSpPr txBox="1"/>
+          <p:nvPr/>
+        </p:nvSpPr>
+        <p:spPr>
+          <a:xfrm>
+            <a:off x="27210064" y="21107057"/>
+            <a:ext cx="3989172" cy="261610"/>
+          </a:xfrm>
+          <a:prstGeom prst="rect">
+            <a:avLst/>
+          </a:prstGeom>
+          <a:noFill/>
+        </p:spPr>
+        <p:txBody>
+          <a:bodyPr wrap="square">
+            <a:spAutoFit/>
+          </a:bodyPr>
+          <a:lstStyle/>
+          <a:p>
+            <a:r>
+              <a:rPr lang="es-PE" sz="1100" dirty="0"/>
+              <a:t>https://github.com/loaspra/2022-1-ECE-project</a:t>
             </a:r>
           </a:p>
         </p:txBody>
